--- a/Корпоративная презентация.pptx
+++ b/Корпоративная презентация.pptx
@@ -7,15 +7,16 @@
   <p:sldIdLst>
     <p:sldId id="256" r:id="rId2"/>
     <p:sldId id="264" r:id="rId3"/>
-    <p:sldId id="267" r:id="rId4"/>
-    <p:sldId id="268" r:id="rId5"/>
-    <p:sldId id="269" r:id="rId6"/>
+    <p:sldId id="274" r:id="rId4"/>
+    <p:sldId id="275" r:id="rId5"/>
+    <p:sldId id="276" r:id="rId6"/>
     <p:sldId id="272" r:id="rId7"/>
     <p:sldId id="273" r:id="rId8"/>
     <p:sldId id="262" r:id="rId9"/>
-    <p:sldId id="265" r:id="rId10"/>
-    <p:sldId id="271" r:id="rId11"/>
-    <p:sldId id="270" r:id="rId12"/>
+    <p:sldId id="277" r:id="rId10"/>
+    <p:sldId id="278" r:id="rId11"/>
+    <p:sldId id="279" r:id="rId12"/>
+    <p:sldId id="261" r:id="rId13"/>
   </p:sldIdLst>
   <p:sldSz cx="12192000" cy="6858000"/>
   <p:notesSz cx="6858000" cy="9144000"/>
@@ -115,6 +116,26 @@
     </a:lvl9pPr>
   </p:defaultTextStyle>
   <p:extLst>
+    <p:ext uri="{521415D9-36F7-43E2-AB2F-B90AF26B5E84}">
+      <p14:sectionLst xmlns:p14="http://schemas.microsoft.com/office/powerpoint/2010/main">
+        <p14:section name="Раздел по умолчанию" id="{AC987BF8-DFE5-4C89-BF7F-83D9EA61D987}">
+          <p14:sldIdLst>
+            <p14:sldId id="256"/>
+            <p14:sldId id="264"/>
+            <p14:sldId id="274"/>
+            <p14:sldId id="275"/>
+            <p14:sldId id="276"/>
+            <p14:sldId id="272"/>
+            <p14:sldId id="273"/>
+            <p14:sldId id="262"/>
+            <p14:sldId id="277"/>
+            <p14:sldId id="278"/>
+            <p14:sldId id="279"/>
+            <p14:sldId id="261"/>
+          </p14:sldIdLst>
+        </p14:section>
+      </p14:sectionLst>
+    </p:ext>
     <p:ext uri="{EFAFB233-063F-42B5-8137-9DF3F51BA10A}">
       <p15:sldGuideLst xmlns:p15="http://schemas.microsoft.com/office/powerpoint/2012/main">
         <p15:guide id="1" orient="horz" pos="2160">
@@ -3630,7 +3651,7 @@
           <a:p>
             <a:fld id="{71FE0170-5F17-4EB0-BFA4-80529005E784}" type="datetimeFigureOut">
               <a:rPr lang="ru-RU" smtClean="0"/>
-              <a:t>04.06.2025</a:t>
+              <a:t>05.06.2025</a:t>
             </a:fld>
             <a:endParaRPr lang="ru-RU"/>
           </a:p>
@@ -4049,18 +4070,9 @@
           <a:lstStyle/>
           <a:p>
             <a:r>
-              <a:rPr lang="ru-RU" u="sng" dirty="0"/>
-              <a:t>«Разработка информационной системы по автоматизации процесса бронирования и продаж для ООО «</a:t>
-            </a:r>
-            <a:r>
-              <a:rPr lang="ru-RU" u="sng" dirty="0" err="1"/>
-              <a:t>Глобал</a:t>
-            </a:r>
-            <a:r>
-              <a:rPr lang="ru-RU" u="sng" dirty="0"/>
-              <a:t> Текс»»</a:t>
-            </a:r>
-            <a:endParaRPr lang="ru-RU" dirty="0"/>
+              <a:rPr lang="ru-RU" dirty="0"/>
+              <a:t>«Разработка информационной системы по автоматизации процесса бронирования и продаж для ООО «Глобал Текс»</a:t>
+            </a:r>
           </a:p>
         </p:txBody>
       </p:sp>
@@ -4081,7 +4093,7 @@
           <a:p>
             <a:r>
               <a:rPr lang="ru-RU" dirty="0"/>
-              <a:t>Андреева Софья Леонидовна</a:t>
+              <a:t>АНДРЕЕВА СОФЬЯ ЛЕОНИДОВНА</a:t>
             </a:r>
           </a:p>
         </p:txBody>
@@ -4124,12 +4136,8 @@
           <a:lstStyle/>
           <a:p>
             <a:r>
-              <a:rPr lang="ru-RU" dirty="0" err="1"/>
-              <a:t>Лисавина</a:t>
-            </a:r>
-            <a:r>
               <a:rPr lang="ru-RU" dirty="0"/>
-              <a:t> А.В.</a:t>
+              <a:t>ЛИСАВИНА А.В.</a:t>
             </a:r>
           </a:p>
         </p:txBody>
@@ -4176,44 +4184,39 @@
         </p:nvSpPr>
         <p:spPr/>
         <p:txBody>
-          <a:bodyPr/>
+          <a:bodyPr>
+            <a:normAutofit fontScale="90000"/>
+          </a:bodyPr>
           <a:lstStyle/>
           <a:p>
             <a:r>
               <a:rPr lang="ru-RU" dirty="0"/>
               <a:t>Фрагмент программного кода</a:t>
             </a:r>
-          </a:p>
-        </p:txBody>
-      </p:sp>
-      <p:sp>
-        <p:nvSpPr>
-          <p:cNvPr id="6" name="Объект 5"/>
-          <p:cNvSpPr>
-            <a:spLocks noGrp="1"/>
-          </p:cNvSpPr>
-          <p:nvPr>
-            <p:ph idx="10"/>
-          </p:nvPr>
-        </p:nvSpPr>
-        <p:spPr/>
-        <p:txBody>
-          <a:bodyPr/>
-          <a:lstStyle/>
-          <a:p>
-            <a:endParaRPr lang="ru-RU" dirty="0"/>
+            <a:r>
+              <a:rPr lang="en-US" dirty="0"/>
+              <a:t>. </a:t>
+            </a:r>
+            <a:r>
+              <a:rPr lang="ru-RU" dirty="0"/>
+              <a:t>Класс для генерации накладных с данными товаров</a:t>
+            </a:r>
           </a:p>
         </p:txBody>
       </p:sp>
       <p:pic>
         <p:nvPicPr>
-          <p:cNvPr id="7" name="Объект 6"/>
+          <p:cNvPr id="3" name="Рисунок 2">
+            <a:extLst>
+              <a:ext uri="{FF2B5EF4-FFF2-40B4-BE49-F238E27FC236}">
+                <a16:creationId xmlns:a16="http://schemas.microsoft.com/office/drawing/2014/main" id="{53E4B1D7-85D5-4A33-9430-251DE71901AA}"/>
+              </a:ext>
+            </a:extLst>
+          </p:cNvPr>
           <p:cNvPicPr>
-            <a:picLocks noGrp="1" noChangeAspect="1"/>
+            <a:picLocks noChangeAspect="1"/>
           </p:cNvPicPr>
-          <p:nvPr>
-            <p:ph idx="1"/>
-          </p:nvPr>
+          <p:nvPr/>
         </p:nvPicPr>
         <p:blipFill>
           <a:blip r:embed="rId2"/>
@@ -4223,47 +4226,18 @@
         </p:blipFill>
         <p:spPr>
           <a:xfrm>
-            <a:off x="838200" y="2208387"/>
-            <a:ext cx="4379913" cy="3173063"/>
+            <a:off x="860611" y="1450258"/>
+            <a:ext cx="5235389" cy="4815075"/>
           </a:xfrm>
           <a:prstGeom prst="rect">
             <a:avLst/>
           </a:prstGeom>
         </p:spPr>
       </p:pic>
-      <p:sp>
-        <p:nvSpPr>
-          <p:cNvPr id="8" name="TextBox 7"/>
-          <p:cNvSpPr txBox="1"/>
-          <p:nvPr/>
-        </p:nvSpPr>
-        <p:spPr>
-          <a:xfrm>
-            <a:off x="5474525" y="328229"/>
-            <a:ext cx="6477989" cy="369332"/>
-          </a:xfrm>
-          <a:prstGeom prst="rect">
-            <a:avLst/>
-          </a:prstGeom>
-          <a:noFill/>
-        </p:spPr>
-        <p:txBody>
-          <a:bodyPr wrap="square" rtlCol="0">
-            <a:spAutoFit/>
-          </a:bodyPr>
-          <a:lstStyle/>
-          <a:p>
-            <a:r>
-              <a:rPr lang="ru-RU" dirty="0"/>
-              <a:t>Класс для генерации накладных с данными товаров</a:t>
-            </a:r>
-          </a:p>
-        </p:txBody>
-      </p:sp>
     </p:spTree>
     <p:extLst>
       <p:ext uri="{BB962C8B-B14F-4D97-AF65-F5344CB8AC3E}">
-        <p14:creationId xmlns:p14="http://schemas.microsoft.com/office/powerpoint/2010/main" val="3845819676"/>
+        <p14:creationId xmlns:p14="http://schemas.microsoft.com/office/powerpoint/2010/main" val="3485576597"/>
       </p:ext>
     </p:extLst>
   </p:cSld>
@@ -4292,7 +4266,13 @@
       </p:grpSpPr>
       <p:sp>
         <p:nvSpPr>
-          <p:cNvPr id="6" name="Заголовок 5"/>
+          <p:cNvPr id="9" name="Заголовок 8">
+            <a:extLst>
+              <a:ext uri="{FF2B5EF4-FFF2-40B4-BE49-F238E27FC236}">
+                <a16:creationId xmlns:a16="http://schemas.microsoft.com/office/drawing/2014/main" id="{E1D456FE-2B86-44AF-8F94-4805F57C0044}"/>
+              </a:ext>
+            </a:extLst>
+          </p:cNvPr>
           <p:cNvSpPr>
             <a:spLocks noGrp="1"/>
           </p:cNvSpPr>
@@ -4314,7 +4294,13 @@
       </p:sp>
       <p:sp>
         <p:nvSpPr>
-          <p:cNvPr id="7" name="Объект 6"/>
+          <p:cNvPr id="10" name="Объект 9">
+            <a:extLst>
+              <a:ext uri="{FF2B5EF4-FFF2-40B4-BE49-F238E27FC236}">
+                <a16:creationId xmlns:a16="http://schemas.microsoft.com/office/drawing/2014/main" id="{D40E1C09-35EB-4A74-BCB1-BF44EAA1D35C}"/>
+              </a:ext>
+            </a:extLst>
+          </p:cNvPr>
           <p:cNvSpPr>
             <a:spLocks noGrp="1"/>
           </p:cNvSpPr>
@@ -4324,28 +4310,26 @@
         </p:nvSpPr>
         <p:spPr/>
         <p:txBody>
-          <a:bodyPr anchor="t"/>
+          <a:bodyPr>
+            <a:normAutofit/>
+          </a:bodyPr>
           <a:lstStyle/>
           <a:p>
             <a:pPr algn="just">
               <a:lnSpc>
-                <a:spcPct val="150000"/>
+                <a:spcPct val="100000"/>
               </a:lnSpc>
             </a:pPr>
             <a:r>
-              <a:rPr lang="ru-RU" dirty="0"/>
-              <a:t>Была разработана система, учитывающая требования к бизнес-процессам компании, облегчающая работу с товарами и учитывающая будущие улучшения. </a:t>
-            </a:r>
-          </a:p>
-          <a:p>
-            <a:pPr algn="just">
-              <a:lnSpc>
-                <a:spcPct val="150000"/>
-              </a:lnSpc>
-            </a:pPr>
-            <a:r>
-              <a:rPr lang="ru-RU" u="sng" dirty="0"/>
-              <a:t>Цель достигнута, все задачи выполнены!</a:t>
+              <a:rPr lang="ru-RU" sz="2000" dirty="0"/>
+              <a:t>В ходе дипломного проекта были проанализированы особенности освещения в музеях и галереях с учётом требований к экспонатам. Изучены действующие стандарты освещённости, что позволило выбрать оптимальные технологии для разработки системы. Спроектирована архитектура и создана база данных с удобным пользовательским интерфейсом. Реализованы ключевые функциональные модули для управления освещением и товарами. Проведена оценка экономической эффективности, подтвердившая выгоды внедрения системы для компании. </a:t>
+            </a:r>
+          </a:p>
+          <a:p>
+            <a:pPr algn="just"/>
+            <a:r>
+              <a:rPr lang="ru-RU" sz="2400" dirty="0"/>
+              <a:t>Цель достигнута, все задачи выполнены.</a:t>
             </a:r>
           </a:p>
         </p:txBody>
@@ -4353,7 +4337,67 @@
     </p:spTree>
     <p:extLst>
       <p:ext uri="{BB962C8B-B14F-4D97-AF65-F5344CB8AC3E}">
-        <p14:creationId xmlns:p14="http://schemas.microsoft.com/office/powerpoint/2010/main" val="200040367"/>
+        <p14:creationId xmlns:p14="http://schemas.microsoft.com/office/powerpoint/2010/main" val="1710630676"/>
+      </p:ext>
+    </p:extLst>
+  </p:cSld>
+  <p:clrMapOvr>
+    <a:masterClrMapping/>
+  </p:clrMapOvr>
+</p:sld>
+</file>
+
+<file path=ppt/slides/slide12.xml><?xml version="1.0" encoding="utf-8"?>
+<p:sld xmlns:a="http://schemas.openxmlformats.org/drawingml/2006/main" xmlns:r="http://schemas.openxmlformats.org/officeDocument/2006/relationships" xmlns:p="http://schemas.openxmlformats.org/presentationml/2006/main">
+  <p:cSld>
+    <p:spTree>
+      <p:nvGrpSpPr>
+        <p:cNvPr id="1" name=""/>
+        <p:cNvGrpSpPr/>
+        <p:nvPr/>
+      </p:nvGrpSpPr>
+      <p:grpSpPr>
+        <a:xfrm>
+          <a:off x="0" y="0"/>
+          <a:ext cx="0" cy="0"/>
+          <a:chOff x="0" y="0"/>
+          <a:chExt cx="0" cy="0"/>
+        </a:xfrm>
+      </p:grpSpPr>
+      <p:sp>
+        <p:nvSpPr>
+          <p:cNvPr id="7" name="Заголовок 6"/>
+          <p:cNvSpPr>
+            <a:spLocks noGrp="1"/>
+          </p:cNvSpPr>
+          <p:nvPr>
+            <p:ph type="title"/>
+          </p:nvPr>
+        </p:nvSpPr>
+        <p:spPr>
+          <a:xfrm>
+            <a:off x="1773411" y="2484556"/>
+            <a:ext cx="8645178" cy="1888887"/>
+          </a:xfrm>
+        </p:spPr>
+        <p:txBody>
+          <a:bodyPr>
+            <a:normAutofit/>
+          </a:bodyPr>
+          <a:lstStyle/>
+          <a:p>
+            <a:pPr algn="ctr"/>
+            <a:r>
+              <a:rPr lang="ru-RU" sz="4800" dirty="0"/>
+              <a:t>Спасибо за внимание!</a:t>
+            </a:r>
+          </a:p>
+        </p:txBody>
+      </p:sp>
+    </p:spTree>
+    <p:extLst>
+      <p:ext uri="{BB962C8B-B14F-4D97-AF65-F5344CB8AC3E}">
+        <p14:creationId xmlns:p14="http://schemas.microsoft.com/office/powerpoint/2010/main" val="264173792"/>
       </p:ext>
     </p:extLst>
   </p:cSld>
@@ -4414,20 +4458,25 @@
         </p:nvSpPr>
         <p:spPr/>
         <p:txBody>
-          <a:bodyPr anchor="t"/>
+          <a:bodyPr anchor="t">
+            <a:normAutofit/>
+          </a:bodyPr>
           <a:lstStyle/>
           <a:p>
             <a:pPr algn="just">
               <a:lnSpc>
-                <a:spcPct val="150000"/>
+                <a:spcPct val="100000"/>
               </a:lnSpc>
+              <a:spcBef>
+                <a:spcPts val="0"/>
+              </a:spcBef>
             </a:pPr>
             <a:r>
-              <a:rPr lang="ru-RU" b="1" dirty="0"/>
+              <a:rPr lang="ru-RU" sz="2400" b="1" dirty="0"/>
               <a:t>Создание удобной и функциональной системы </a:t>
             </a:r>
             <a:r>
-              <a:rPr lang="ru-RU" dirty="0"/>
+              <a:rPr lang="ru-RU" sz="2400" dirty="0"/>
               <a:t>для упрощения процесса введения учёта осветительного оборудования, облегчения взаимодействия с клиентами и автоматизации ключевых процессов, связанных с фильтрацией и учётом товаров.</a:t>
             </a:r>
           </a:p>
@@ -4465,7 +4514,13 @@
       </p:grpSpPr>
       <p:sp>
         <p:nvSpPr>
-          <p:cNvPr id="6" name="Заголовок 5"/>
+          <p:cNvPr id="2" name="Заголовок 1">
+            <a:extLst>
+              <a:ext uri="{FF2B5EF4-FFF2-40B4-BE49-F238E27FC236}">
+                <a16:creationId xmlns:a16="http://schemas.microsoft.com/office/drawing/2014/main" id="{AEB57EB2-4670-4524-9278-7975989AB4E9}"/>
+              </a:ext>
+            </a:extLst>
+          </p:cNvPr>
           <p:cNvSpPr>
             <a:spLocks noGrp="1"/>
           </p:cNvSpPr>
@@ -4487,7 +4542,13 @@
       </p:sp>
       <p:sp>
         <p:nvSpPr>
-          <p:cNvPr id="7" name="Объект 6"/>
+          <p:cNvPr id="3" name="Объект 2">
+            <a:extLst>
+              <a:ext uri="{FF2B5EF4-FFF2-40B4-BE49-F238E27FC236}">
+                <a16:creationId xmlns:a16="http://schemas.microsoft.com/office/drawing/2014/main" id="{A4D5C39C-5438-4F52-A621-FC3C43BB0519}"/>
+              </a:ext>
+            </a:extLst>
+          </p:cNvPr>
           <p:cNvSpPr>
             <a:spLocks noGrp="1"/>
           </p:cNvSpPr>
@@ -4497,102 +4558,94 @@
         </p:nvSpPr>
         <p:spPr/>
         <p:txBody>
-          <a:bodyPr anchor="t"/>
+          <a:bodyPr>
+            <a:normAutofit/>
+          </a:bodyPr>
           <a:lstStyle/>
           <a:p>
-            <a:pPr marL="342900" indent="-342900" algn="just">
-              <a:lnSpc>
-                <a:spcPct val="150000"/>
-              </a:lnSpc>
+            <a:pPr marL="342900" indent="-342900">
               <a:buFont typeface="+mj-lt"/>
               <a:buAutoNum type="arabicPeriod"/>
             </a:pPr>
             <a:r>
-              <a:rPr lang="ru-RU" dirty="0"/>
-              <a:t>Провести анализ бизнес-процессов компании и определить ключевые требования к системе</a:t>
-            </a:r>
-          </a:p>
-          <a:p>
-            <a:pPr marL="342900" indent="-342900" algn="just">
-              <a:lnSpc>
-                <a:spcPct val="150000"/>
-              </a:lnSpc>
+              <a:rPr lang="ru-RU" sz="2400" dirty="0"/>
+              <a:t>Проанализировать особенности освещения в музейных и </a:t>
+            </a:r>
+            <a:r>
+              <a:rPr lang="ru-RU" sz="2400" dirty="0" err="1"/>
+              <a:t>гале</a:t>
+            </a:r>
+            <a:r>
+              <a:rPr lang="ru-RU" sz="2400" dirty="0"/>
+              <a:t>-рейных пространствах;</a:t>
+            </a:r>
+          </a:p>
+          <a:p>
+            <a:pPr marL="342900" indent="-342900">
               <a:buFont typeface="+mj-lt"/>
               <a:buAutoNum type="arabicPeriod"/>
             </a:pPr>
             <a:r>
-              <a:rPr lang="ru-RU" dirty="0"/>
-              <a:t>Разработать архитектуру приложения с учётом принципов расширяемости и масштабируемости</a:t>
-            </a:r>
-          </a:p>
-          <a:p>
-            <a:pPr marL="342900" indent="-342900" algn="just">
-              <a:lnSpc>
-                <a:spcPct val="150000"/>
-              </a:lnSpc>
+              <a:rPr lang="ru-RU" sz="2400" dirty="0"/>
+              <a:t>Изучить существующие стандарты и нормы освещённости для чувствительных экспонатов;</a:t>
+            </a:r>
+          </a:p>
+          <a:p>
+            <a:pPr marL="342900" indent="-342900">
               <a:buFont typeface="+mj-lt"/>
               <a:buAutoNum type="arabicPeriod"/>
             </a:pPr>
             <a:r>
-              <a:rPr lang="ru-RU" dirty="0"/>
-              <a:t>Реализовать интерфейс для разных типов пользователей</a:t>
-            </a:r>
-          </a:p>
-          <a:p>
-            <a:pPr marL="342900" indent="-342900" algn="just">
-              <a:lnSpc>
-                <a:spcPct val="150000"/>
-              </a:lnSpc>
+              <a:rPr lang="ru-RU" sz="2400" dirty="0"/>
+              <a:t>Осуществить выбор технологий для разработки;</a:t>
+            </a:r>
+          </a:p>
+          <a:p>
+            <a:pPr marL="342900" indent="-342900">
               <a:buFont typeface="+mj-lt"/>
               <a:buAutoNum type="arabicPeriod"/>
             </a:pPr>
             <a:r>
-              <a:rPr lang="ru-RU" dirty="0"/>
-              <a:t>Настроить сортировку, поиск и фильтрацию по товарам</a:t>
-            </a:r>
-          </a:p>
-          <a:p>
-            <a:pPr marL="342900" indent="-342900" algn="just">
-              <a:lnSpc>
-                <a:spcPct val="150000"/>
-              </a:lnSpc>
+              <a:rPr lang="ru-RU" sz="2400" dirty="0"/>
+              <a:t>Спроектировать архитектуру системы;</a:t>
+            </a:r>
+          </a:p>
+          <a:p>
+            <a:pPr marL="342900" indent="-342900">
               <a:buFont typeface="+mj-lt"/>
               <a:buAutoNum type="arabicPeriod"/>
             </a:pPr>
             <a:r>
-              <a:rPr lang="ru-RU" dirty="0"/>
-              <a:t>Реализовать обработку заказов и генерацию накладных</a:t>
-            </a:r>
-          </a:p>
-          <a:p>
-            <a:pPr marL="342900" indent="-342900" algn="just">
-              <a:lnSpc>
-                <a:spcPct val="150000"/>
-              </a:lnSpc>
+              <a:rPr lang="ru-RU" sz="2400" dirty="0"/>
+              <a:t>Разработать базу данных и пользовательский интерфейс;</a:t>
+            </a:r>
+          </a:p>
+          <a:p>
+            <a:pPr marL="342900" indent="-342900">
               <a:buFont typeface="+mj-lt"/>
               <a:buAutoNum type="arabicPeriod"/>
             </a:pPr>
             <a:r>
-              <a:rPr lang="ru-RU" dirty="0"/>
-              <a:t>Обеспечить защиту хранимых данных пользователей в базе данных</a:t>
-            </a:r>
-          </a:p>
-          <a:p>
-            <a:pPr marL="342900" indent="-342900" algn="just">
-              <a:lnSpc>
-                <a:spcPct val="150000"/>
-              </a:lnSpc>
+              <a:rPr lang="ru-RU" sz="2400" dirty="0"/>
+              <a:t>Реализовать функциональные модули системы;</a:t>
+            </a:r>
+          </a:p>
+          <a:p>
+            <a:pPr marL="342900" indent="-342900">
               <a:buFont typeface="+mj-lt"/>
               <a:buAutoNum type="arabicPeriod"/>
             </a:pPr>
-            <a:endParaRPr lang="ru-RU" dirty="0"/>
+            <a:r>
+              <a:rPr lang="ru-RU" sz="2400" dirty="0"/>
+              <a:t>Провести оценку экономической эффективности.</a:t>
+            </a:r>
           </a:p>
         </p:txBody>
       </p:sp>
     </p:spTree>
     <p:extLst>
       <p:ext uri="{BB962C8B-B14F-4D97-AF65-F5344CB8AC3E}">
-        <p14:creationId xmlns:p14="http://schemas.microsoft.com/office/powerpoint/2010/main" val="688236510"/>
+        <p14:creationId xmlns:p14="http://schemas.microsoft.com/office/powerpoint/2010/main" val="1400212327"/>
       </p:ext>
     </p:extLst>
   </p:cSld>
@@ -4653,35 +4706,54 @@
         </p:nvSpPr>
         <p:spPr/>
         <p:txBody>
-          <a:bodyPr anchor="t"/>
+          <a:bodyPr anchor="t">
+            <a:normAutofit/>
+          </a:bodyPr>
           <a:lstStyle/>
           <a:p>
             <a:pPr algn="just">
               <a:lnSpc>
-                <a:spcPct val="150000"/>
+                <a:spcPct val="100000"/>
               </a:lnSpc>
+              <a:spcBef>
+                <a:spcPts val="0"/>
+              </a:spcBef>
             </a:pPr>
             <a:r>
-              <a:rPr lang="ru-RU" b="1" dirty="0"/>
+              <a:rPr lang="ru-RU" sz="2400" b="1" dirty="0"/>
               <a:t>ООО «</a:t>
             </a:r>
             <a:r>
-              <a:rPr lang="ru-RU" b="1" dirty="0" err="1"/>
+              <a:rPr lang="ru-RU" sz="2400" b="1" dirty="0" err="1"/>
               <a:t>Глобал</a:t>
             </a:r>
             <a:r>
-              <a:rPr lang="ru-RU" b="1" dirty="0"/>
-              <a:t> Текст»</a:t>
+              <a:rPr lang="ru-RU" sz="2400" b="1" dirty="0"/>
+              <a:t> Текс»</a:t>
             </a:r>
           </a:p>
           <a:p>
             <a:pPr algn="just">
               <a:lnSpc>
-                <a:spcPct val="150000"/>
+                <a:spcPct val="100000"/>
               </a:lnSpc>
+              <a:spcBef>
+                <a:spcPts val="0"/>
+              </a:spcBef>
             </a:pPr>
-            <a:r>
-              <a:rPr lang="ru-RU" dirty="0"/>
+            <a:endParaRPr lang="ru-RU" sz="2400" b="1" dirty="0"/>
+          </a:p>
+          <a:p>
+            <a:pPr algn="just">
+              <a:lnSpc>
+                <a:spcPct val="100000"/>
+              </a:lnSpc>
+              <a:spcBef>
+                <a:spcPts val="0"/>
+              </a:spcBef>
+            </a:pPr>
+            <a:r>
+              <a:rPr lang="ru-RU" sz="2400" dirty="0"/>
               <a:t>Компания, специализирующаяся на продаже и поставке осветительного оборудования, решила выйти на новый рынок для поставки осветительного оборудования музейным учреждениям.</a:t>
             </a:r>
           </a:p>
@@ -4690,7 +4762,7 @@
     </p:spTree>
     <p:extLst>
       <p:ext uri="{BB962C8B-B14F-4D97-AF65-F5344CB8AC3E}">
-        <p14:creationId xmlns:p14="http://schemas.microsoft.com/office/powerpoint/2010/main" val="143568105"/>
+        <p14:creationId xmlns:p14="http://schemas.microsoft.com/office/powerpoint/2010/main" val="2013538796"/>
       </p:ext>
     </p:extLst>
   </p:cSld>
@@ -4751,25 +4823,41 @@
         </p:nvSpPr>
         <p:spPr/>
         <p:txBody>
-          <a:bodyPr anchor="t"/>
+          <a:bodyPr anchor="t">
+            <a:normAutofit/>
+          </a:bodyPr>
           <a:lstStyle/>
           <a:p>
             <a:pPr algn="just">
               <a:lnSpc>
-                <a:spcPct val="150000"/>
+                <a:spcPct val="100000"/>
               </a:lnSpc>
+              <a:spcBef>
+                <a:spcPts val="0"/>
+              </a:spcBef>
             </a:pPr>
             <a:r>
-              <a:rPr lang="ru-RU" dirty="0"/>
+              <a:rPr lang="ru-RU" sz="2400" dirty="0"/>
               <a:t>Актуальность проекта обусловлена факторами стремительного роста осветительного оборудования, требованиями к быстрой коммуникации с клиентами, кроме того возросший объем товаров требует централизованного хранилища данных.</a:t>
             </a:r>
+          </a:p>
+          <a:p>
+            <a:pPr algn="just">
+              <a:lnSpc>
+                <a:spcPct val="100000"/>
+              </a:lnSpc>
+              <a:spcBef>
+                <a:spcPts val="0"/>
+              </a:spcBef>
+            </a:pPr>
+            <a:endParaRPr lang="ru-RU" sz="2400" dirty="0"/>
           </a:p>
         </p:txBody>
       </p:sp>
     </p:spTree>
     <p:extLst>
       <p:ext uri="{BB962C8B-B14F-4D97-AF65-F5344CB8AC3E}">
-        <p14:creationId xmlns:p14="http://schemas.microsoft.com/office/powerpoint/2010/main" val="2459699007"/>
+        <p14:creationId xmlns:p14="http://schemas.microsoft.com/office/powerpoint/2010/main" val="2638984325"/>
       </p:ext>
     </p:extLst>
   </p:cSld>
@@ -4830,12 +4918,14 @@
         </p:nvSpPr>
         <p:spPr>
           <a:xfrm>
-            <a:off x="6230149" y="1299566"/>
-            <a:ext cx="5147663" cy="4990474"/>
-          </a:xfrm>
-        </p:spPr>
-        <p:txBody>
-          <a:bodyPr/>
+            <a:off x="603218" y="2979475"/>
+            <a:ext cx="5147663" cy="1503748"/>
+          </a:xfrm>
+        </p:spPr>
+        <p:txBody>
+          <a:bodyPr>
+            <a:normAutofit fontScale="92500" lnSpcReduction="10000"/>
+          </a:bodyPr>
           <a:lstStyle/>
           <a:p>
             <a:pPr marL="457200" indent="-457200">
@@ -4843,8 +4933,8 @@
               <a:buAutoNum type="arabicPeriod"/>
             </a:pPr>
             <a:r>
-              <a:rPr lang="en-US" dirty="0"/>
-              <a:t>Server Microsoft SQL</a:t>
+              <a:rPr lang="en-US" sz="3200" dirty="0"/>
+              <a:t>Microsoft SQL Server</a:t>
             </a:r>
           </a:p>
           <a:p>
@@ -4853,8 +4943,8 @@
               <a:buAutoNum type="arabicPeriod"/>
             </a:pPr>
             <a:r>
-              <a:rPr lang="en-US" dirty="0"/>
-              <a:t>Visual Studio</a:t>
+              <a:rPr lang="en-US" sz="3200" dirty="0"/>
+              <a:t>Microsoft Visual Studio</a:t>
             </a:r>
           </a:p>
           <a:p>
@@ -4863,10 +4953,10 @@
               <a:buAutoNum type="arabicPeriod"/>
             </a:pPr>
             <a:r>
-              <a:rPr lang="en-US" dirty="0" err="1"/>
-              <a:t>Github</a:t>
-            </a:r>
-            <a:endParaRPr lang="ru-RU" dirty="0"/>
+              <a:rPr lang="en-US" sz="3200" dirty="0"/>
+              <a:t>GitHub</a:t>
+            </a:r>
+            <a:endParaRPr lang="ru-RU" sz="3200" dirty="0"/>
           </a:p>
         </p:txBody>
       </p:sp>
@@ -4899,8 +4989,8 @@
         </p:blipFill>
         <p:spPr bwMode="auto">
           <a:xfrm>
-            <a:off x="516467" y="1761067"/>
-            <a:ext cx="2336800" cy="2336800"/>
+            <a:off x="6096000" y="2149619"/>
+            <a:ext cx="1659712" cy="1659712"/>
           </a:xfrm>
           <a:prstGeom prst="rect">
             <a:avLst/>
@@ -4944,8 +5034,8 @@
         </p:blipFill>
         <p:spPr bwMode="auto">
           <a:xfrm>
-            <a:off x="516467" y="3962400"/>
-            <a:ext cx="2336800" cy="2452688"/>
+            <a:off x="6230149" y="3911193"/>
+            <a:ext cx="1723347" cy="1808812"/>
           </a:xfrm>
           <a:prstGeom prst="rect">
             <a:avLst/>
@@ -4991,8 +5081,8 @@
         </p:blipFill>
         <p:spPr bwMode="auto">
           <a:xfrm>
-            <a:off x="2387600" y="2680378"/>
-            <a:ext cx="3962400" cy="2228850"/>
+            <a:off x="7459294" y="2826943"/>
+            <a:ext cx="3215666" cy="1808812"/>
           </a:xfrm>
           <a:prstGeom prst="rect">
             <a:avLst/>
@@ -5066,30 +5156,6 @@
           </a:p>
         </p:txBody>
       </p:sp>
-      <p:sp>
-        <p:nvSpPr>
-          <p:cNvPr id="7" name="Текст 6"/>
-          <p:cNvSpPr>
-            <a:spLocks noGrp="1"/>
-          </p:cNvSpPr>
-          <p:nvPr>
-            <p:ph type="body" sz="quarter" idx="13"/>
-          </p:nvPr>
-        </p:nvSpPr>
-        <p:spPr>
-          <a:xfrm>
-            <a:off x="6230149" y="1299566"/>
-            <a:ext cx="5147663" cy="4990474"/>
-          </a:xfrm>
-        </p:spPr>
-        <p:txBody>
-          <a:bodyPr/>
-          <a:lstStyle/>
-          <a:p>
-            <a:endParaRPr lang="ru-RU" dirty="0"/>
-          </a:p>
-        </p:txBody>
-      </p:sp>
       <p:pic>
         <p:nvPicPr>
           <p:cNvPr id="8" name="Рисунок 7">
@@ -5110,8 +5176,8 @@
         </p:blipFill>
         <p:spPr>
           <a:xfrm>
-            <a:off x="838200" y="1687122"/>
-            <a:ext cx="5141375" cy="3483755"/>
+            <a:off x="2432483" y="1491813"/>
+            <a:ext cx="6920608" cy="4689349"/>
           </a:xfrm>
           <a:prstGeom prst="rect">
             <a:avLst/>
@@ -5175,45 +5241,19 @@
           </a:p>
         </p:txBody>
       </p:sp>
-      <p:sp>
-        <p:nvSpPr>
-          <p:cNvPr id="7" name="Текст 6"/>
-          <p:cNvSpPr>
-            <a:spLocks noGrp="1"/>
-          </p:cNvSpPr>
-          <p:nvPr>
-            <p:ph type="body" sz="quarter" idx="13"/>
-          </p:nvPr>
-        </p:nvSpPr>
-        <p:spPr>
-          <a:xfrm>
-            <a:off x="6230149" y="1299566"/>
-            <a:ext cx="5147663" cy="4990474"/>
-          </a:xfrm>
-        </p:spPr>
-        <p:txBody>
-          <a:bodyPr/>
-          <a:lstStyle/>
-          <a:p>
-            <a:endParaRPr lang="ru-RU" dirty="0"/>
-          </a:p>
-        </p:txBody>
-      </p:sp>
       <p:pic>
         <p:nvPicPr>
-          <p:cNvPr id="10" name="Объект 9">
+          <p:cNvPr id="3" name="Рисунок 2">
             <a:extLst>
               <a:ext uri="{FF2B5EF4-FFF2-40B4-BE49-F238E27FC236}">
-                <a16:creationId xmlns:a16="http://schemas.microsoft.com/office/drawing/2014/main" id="{631219F8-6DE2-4D96-88CF-D220C65E6BD3}"/>
+                <a16:creationId xmlns:a16="http://schemas.microsoft.com/office/drawing/2014/main" id="{7C296304-1F05-4C48-80E1-69A8964A5836}"/>
               </a:ext>
             </a:extLst>
           </p:cNvPr>
           <p:cNvPicPr>
-            <a:picLocks noGrp="1"/>
+            <a:picLocks noChangeAspect="1"/>
           </p:cNvPicPr>
-          <p:nvPr>
-            <p:ph idx="12"/>
-          </p:nvPr>
+          <p:nvPr/>
         </p:nvPicPr>
         <p:blipFill>
           <a:blip r:embed="rId2">
@@ -5223,23 +5263,18 @@
               </a:ext>
             </a:extLst>
           </a:blip>
-          <a:srcRect/>
           <a:stretch>
             <a:fillRect/>
           </a:stretch>
         </p:blipFill>
-        <p:spPr bwMode="auto">
-          <a:xfrm>
-            <a:off x="838200" y="2399683"/>
-            <a:ext cx="5148263" cy="2790471"/>
+        <p:spPr>
+          <a:xfrm>
+            <a:off x="846666" y="1449771"/>
+            <a:ext cx="7243578" cy="5080000"/>
           </a:xfrm>
           <a:prstGeom prst="rect">
             <a:avLst/>
           </a:prstGeom>
-          <a:noFill/>
-          <a:ln>
-            <a:noFill/>
-          </a:ln>
         </p:spPr>
       </p:pic>
     </p:spTree>
@@ -5294,80 +5329,34 @@
           </a:p>
         </p:txBody>
       </p:sp>
-      <p:sp>
-        <p:nvSpPr>
-          <p:cNvPr id="6" name="Объект 5"/>
-          <p:cNvSpPr>
-            <a:spLocks noGrp="1"/>
-          </p:cNvSpPr>
-          <p:nvPr>
-            <p:ph idx="10"/>
-          </p:nvPr>
-        </p:nvSpPr>
-        <p:spPr/>
-        <p:txBody>
-          <a:bodyPr/>
-          <a:lstStyle/>
-          <a:p>
-            <a:endParaRPr lang="ru-RU" dirty="0"/>
-          </a:p>
-        </p:txBody>
-      </p:sp>
-      <p:sp>
-        <p:nvSpPr>
-          <p:cNvPr id="8" name="TextBox 7"/>
-          <p:cNvSpPr txBox="1"/>
-          <p:nvPr/>
-        </p:nvSpPr>
-        <p:spPr>
-          <a:xfrm>
-            <a:off x="5474526" y="328229"/>
-            <a:ext cx="6448534" cy="646331"/>
-          </a:xfrm>
-          <a:prstGeom prst="rect">
-            <a:avLst/>
-          </a:prstGeom>
-          <a:noFill/>
-        </p:spPr>
-        <p:txBody>
-          <a:bodyPr wrap="square" rtlCol="0">
-            <a:spAutoFit/>
-          </a:bodyPr>
-          <a:lstStyle/>
-          <a:p>
-            <a:r>
-              <a:rPr lang="ru-RU" dirty="0"/>
-              <a:t>Личный кабинет администратора для просмотра и фильтрации товаров. </a:t>
-            </a:r>
-          </a:p>
-        </p:txBody>
-      </p:sp>
       <p:pic>
         <p:nvPicPr>
-          <p:cNvPr id="9" name="Объект 8">
+          <p:cNvPr id="3" name="Рисунок 2">
             <a:extLst>
               <a:ext uri="{FF2B5EF4-FFF2-40B4-BE49-F238E27FC236}">
-                <a16:creationId xmlns:a16="http://schemas.microsoft.com/office/drawing/2014/main" id="{A07B8412-B798-4994-A5A4-B80E24510E12}"/>
+                <a16:creationId xmlns:a16="http://schemas.microsoft.com/office/drawing/2014/main" id="{7523523D-F95E-4502-907B-419662BA089E}"/>
               </a:ext>
             </a:extLst>
           </p:cNvPr>
-          <p:cNvPicPr>
-            <a:picLocks noGrp="1"/>
-          </p:cNvPicPr>
-          <p:nvPr>
-            <p:ph idx="1"/>
-          </p:nvPr>
+          <p:cNvPicPr/>
+          <p:nvPr/>
         </p:nvPicPr>
         <p:blipFill>
-          <a:blip r:embed="rId2"/>
+          <a:blip r:embed="rId2" cstate="print">
+            <a:extLst>
+              <a:ext uri="{28A0092B-C50C-407E-A947-70E740481C1C}">
+                <a14:useLocalDpi xmlns:a14="http://schemas.microsoft.com/office/drawing/2010/main" val="0"/>
+              </a:ext>
+            </a:extLst>
+          </a:blip>
           <a:stretch>
             <a:fillRect/>
           </a:stretch>
         </p:blipFill>
         <p:spPr>
           <a:xfrm>
-            <a:off x="838200" y="2134018"/>
-            <a:ext cx="4379913" cy="3321802"/>
+            <a:off x="1106500" y="1338113"/>
+            <a:ext cx="8830733" cy="4734627"/>
           </a:xfrm>
           <a:prstGeom prst="rect">
             <a:avLst/>
@@ -5377,7 +5366,7 @@
     </p:spTree>
     <p:extLst>
       <p:ext uri="{BB962C8B-B14F-4D97-AF65-F5344CB8AC3E}">
-        <p14:creationId xmlns:p14="http://schemas.microsoft.com/office/powerpoint/2010/main" val="1845375393"/>
+        <p14:creationId xmlns:p14="http://schemas.microsoft.com/office/powerpoint/2010/main" val="3186715354"/>
       </p:ext>
     </p:extLst>
   </p:cSld>
